--- a/trunk/Docs/DUELREALITY_FINAL_b.pptx
+++ b/trunk/Docs/DUELREALITY_FINAL_b.pptx
@@ -7358,11 +7358,7 @@
             <a:pPr lvl="1"/>
             <a:r>
               <a:rPr lang="en-US" dirty="0" smtClean="0"/>
-              <a:t>Module </a:t>
-            </a:r>
-            <a:r>
-              <a:rPr lang="en-US" dirty="0" smtClean="0"/>
-              <a:t>Interactions</a:t>
+              <a:t>Module Interactions</a:t>
             </a:r>
           </a:p>
           <a:p>
@@ -9898,11 +9894,7 @@
           <a:p>
             <a:r>
               <a:rPr lang="en-US" dirty="0" smtClean="0"/>
-              <a:t>Status Bar </a:t>
-            </a:r>
-            <a:r>
-              <a:rPr lang="en-US" dirty="0" smtClean="0"/>
-              <a:t>Items</a:t>
+              <a:t>Status Bar Items</a:t>
             </a:r>
           </a:p>
           <a:p>
@@ -36214,8 +36206,8 @@
               <a:t> but </a:t>
             </a:r>
             <a:r>
-              <a:rPr lang="en-US" altLang="zh-CN" sz="3200" dirty="0" err="1" smtClean="0"/>
-              <a:t>challengable</a:t>
+              <a:rPr lang="en-US" altLang="zh-CN" sz="3200" dirty="0" smtClean="0"/>
+              <a:t>challengeable</a:t>
             </a:r>
             <a:r>
               <a:rPr lang="en-US" altLang="zh-CN" sz="3200" dirty="0" smtClean="0"/>
